--- a/CodeReviewTool/doc/CodeReview_점검_Tool_개발계획서_rev08.pptx
+++ b/CodeReviewTool/doc/CodeReview_점검_Tool_개발계획서_rev08.pptx
@@ -33,21 +33,21 @@
   <p:notesSz cx="6858000" cy="9144000"/>
   <p:embeddedFontLst>
     <p:embeddedFont>
+      <p:font typeface="Calibri Light" panose="020F0302020204030204" pitchFamily="34" charset="0"/>
+      <p:regular r:id="rId21"/>
+      <p:italic r:id="rId22"/>
+    </p:embeddedFont>
+    <p:embeddedFont>
       <p:font typeface="Calibri" panose="020F0502020204030204" pitchFamily="34" charset="0"/>
-      <p:regular r:id="rId21"/>
-      <p:bold r:id="rId22"/>
-      <p:italic r:id="rId23"/>
-      <p:boldItalic r:id="rId24"/>
+      <p:regular r:id="rId23"/>
+      <p:bold r:id="rId24"/>
+      <p:italic r:id="rId25"/>
+      <p:boldItalic r:id="rId26"/>
     </p:embeddedFont>
     <p:embeddedFont>
       <p:font typeface="맑은 고딕" panose="020B0503020000020004" pitchFamily="50" charset="-127"/>
-      <p:regular r:id="rId25"/>
-      <p:bold r:id="rId26"/>
-    </p:embeddedFont>
-    <p:embeddedFont>
-      <p:font typeface="Calibri Light" panose="020F0302020204030204" pitchFamily="34" charset="0"/>
       <p:regular r:id="rId27"/>
-      <p:italic r:id="rId28"/>
+      <p:bold r:id="rId28"/>
     </p:embeddedFont>
   </p:embeddedFontLst>
   <p:defaultTextStyle>
@@ -274,7 +274,7 @@
           <a:p>
             <a:fld id="{036B6B10-1B09-480E-9EAC-7453F6B2BC47}" type="datetimeFigureOut">
               <a:rPr lang="ko-KR" altLang="en-US" smtClean="0"/>
-              <a:t>2024-09-12</a:t>
+              <a:t>2024-09-19</a:t>
             </a:fld>
             <a:endParaRPr lang="ko-KR" altLang="en-US"/>
           </a:p>
@@ -439,7 +439,7 @@
           <a:p>
             <a:fld id="{FE749B7C-4794-4872-A925-753F194DD9F3}" type="datetimeFigureOut">
               <a:rPr lang="ko-KR" altLang="en-US" smtClean="0"/>
-              <a:t>2024-09-12</a:t>
+              <a:t>2024-09-19</a:t>
             </a:fld>
             <a:endParaRPr lang="ko-KR" altLang="en-US"/>
           </a:p>
@@ -1780,7 +1780,7 @@
           <a:p>
             <a:fld id="{805658A3-C337-411C-A39B-D6A40476A7DB}" type="datetimeFigureOut">
               <a:rPr lang="ko-KR" altLang="en-US" smtClean="0"/>
-              <a:t>2024-09-12</a:t>
+              <a:t>2024-09-19</a:t>
             </a:fld>
             <a:endParaRPr lang="ko-KR" altLang="en-US"/>
           </a:p>
@@ -3897,11 +3897,7 @@
             </a:r>
             <a:r>
               <a:rPr lang="ko-KR" altLang="en-US" sz="1100" dirty="0" smtClean="0"/>
-              <a:t>함수 </a:t>
-            </a:r>
-            <a:r>
-              <a:rPr lang="ko-KR" altLang="en-US" sz="1100" dirty="0" smtClean="0"/>
-              <a:t>내에 </a:t>
+              <a:t>함수 내에 </a:t>
             </a:r>
             <a:r>
               <a:rPr lang="en-US" altLang="ko-KR" sz="1100" dirty="0" smtClean="0"/>
@@ -6125,11 +6121,7 @@
             </a:r>
             <a:r>
               <a:rPr lang="ko-KR" altLang="en-US" sz="1100" dirty="0" smtClean="0"/>
-              <a:t>변수로 선언하여 </a:t>
-            </a:r>
-            <a:r>
-              <a:rPr lang="ko-KR" altLang="en-US" sz="1100" dirty="0" smtClean="0"/>
-              <a:t>사용</a:t>
+              <a:t>변수로 선언하여 사용</a:t>
             </a:r>
             <a:endParaRPr lang="en-US" altLang="ko-KR" sz="1100" dirty="0"/>
           </a:p>
@@ -6316,11 +6308,7 @@
             </a:r>
             <a:r>
               <a:rPr lang="en-US" altLang="ko-KR" sz="1100" dirty="0" smtClean="0"/>
-              <a:t>] </a:t>
-            </a:r>
-            <a:r>
-              <a:rPr lang="en-US" altLang="ko-KR" sz="1100" dirty="0" smtClean="0"/>
-              <a:t> </a:t>
+              <a:t>]  </a:t>
             </a:r>
             <a:r>
               <a:rPr lang="ko-KR" altLang="en-US" sz="1100" dirty="0" smtClean="0"/>
@@ -6716,21 +6704,7 @@
                   </a:solidFill>
                 </a:ln>
               </a:rPr>
-              <a:t> 사용시  숫자 및 문자열 사용하는 경우 </a:t>
-            </a:r>
-            <a:r>
-              <a:rPr lang="ko-KR" altLang="en-US" sz="1400" dirty="0" smtClean="0">
-                <a:ln>
-                  <a:solidFill>
-                    <a:schemeClr val="tx1">
-                      <a:lumMod val="50000"/>
-                      <a:lumOff val="50000"/>
-                      <a:alpha val="0"/>
-                    </a:schemeClr>
-                  </a:solidFill>
-                </a:ln>
-              </a:rPr>
-              <a:t>체크</a:t>
+              <a:t> 사용시  숫자 및 문자열 사용하는 경우 체크</a:t>
             </a:r>
             <a:endParaRPr lang="en-US" altLang="ko-KR" sz="1400" dirty="0" smtClean="0">
               <a:ln>
@@ -7015,11 +6989,7 @@
             </a:r>
             <a:r>
               <a:rPr lang="en-US" altLang="ko-KR" sz="1100" dirty="0" smtClean="0"/>
-              <a:t>] </a:t>
-            </a:r>
-            <a:r>
-              <a:rPr lang="en-US" altLang="ko-KR" sz="1100" dirty="0" smtClean="0"/>
-              <a:t> </a:t>
+              <a:t>]  </a:t>
             </a:r>
             <a:r>
               <a:rPr lang="ko-KR" altLang="en-US" sz="1100" dirty="0" smtClean="0"/>
@@ -11488,18 +11458,7 @@
                           <a:latin typeface="+mn-ea"/>
                           <a:ea typeface="+mn-ea"/>
                         </a:rPr>
-                        <a:t>언어 </a:t>
-                      </a:r>
-                      <a:r>
-                        <a:rPr lang="ko-KR" altLang="en-US" sz="1100" b="0" i="0" u="none" strike="noStrike" baseline="0" dirty="0" smtClean="0">
-                          <a:solidFill>
-                            <a:srgbClr val="000000"/>
-                          </a:solidFill>
-                          <a:effectLst/>
-                          <a:latin typeface="+mn-ea"/>
-                          <a:ea typeface="+mn-ea"/>
-                        </a:rPr>
-                        <a:t>이해</a:t>
+                        <a:t>언어 이해</a:t>
                       </a:r>
                       <a:endParaRPr lang="en-US" altLang="ko-KR" sz="1100" b="0" i="0" u="none" strike="noStrike" baseline="0" dirty="0" smtClean="0">
                         <a:solidFill>
@@ -12403,7 +12362,7 @@
           <p:nvPr>
             <p:extLst>
               <p:ext uri="{D42A27DB-BD31-4B8C-83A1-F6EECF244321}">
-                <p14:modId xmlns:p14="http://schemas.microsoft.com/office/powerpoint/2010/main" val="2328118799"/>
+                <p14:modId xmlns:p14="http://schemas.microsoft.com/office/powerpoint/2010/main" val="3795251893"/>
               </p:ext>
             </p:extLst>
           </p:nvPr>
@@ -13833,7 +13792,19 @@
                         <a:rPr lang="ko-KR" altLang="en-US" sz="1050" u="none" strike="noStrike" dirty="0" smtClean="0">
                           <a:effectLst/>
                         </a:rPr>
-                        <a:t>이력 작성 체크 확인</a:t>
+                        <a:t>이력 </a:t>
+                      </a:r>
+                      <a:r>
+                        <a:rPr lang="ko-KR" altLang="en-US" sz="1050" u="none" strike="noStrike" smtClean="0">
+                          <a:effectLst/>
+                        </a:rPr>
+                        <a:t>작성 </a:t>
+                      </a:r>
+                      <a:r>
+                        <a:rPr lang="ko-KR" altLang="en-US" sz="1050" u="none" strike="noStrike" smtClean="0">
+                          <a:effectLst/>
+                        </a:rPr>
+                        <a:t>확인</a:t>
                       </a:r>
                       <a:endParaRPr lang="ko-KR" altLang="en-US" sz="1050" b="0" i="0" u="none" strike="noStrike" dirty="0">
                         <a:solidFill>
@@ -15440,7 +15411,37 @@
                 </a:ln>
                 <a:sym typeface="Wingdings" panose="05000000000000000000" pitchFamily="2" charset="2"/>
               </a:rPr>
-              <a:t>설정이 누락된 </a:t>
+              <a:t>설정이 누락된 경우</a:t>
+            </a:r>
+            <a:r>
+              <a:rPr lang="en-US" altLang="ko-KR" sz="1200" dirty="0">
+                <a:ln>
+                  <a:solidFill>
+                    <a:schemeClr val="tx1">
+                      <a:lumMod val="50000"/>
+                      <a:lumOff val="50000"/>
+                      <a:alpha val="0"/>
+                    </a:schemeClr>
+                  </a:solidFill>
+                </a:ln>
+                <a:sym typeface="Wingdings" panose="05000000000000000000" pitchFamily="2" charset="2"/>
+              </a:rPr>
+              <a:t> </a:t>
+            </a:r>
+            <a:r>
+              <a:rPr lang="en-US" altLang="ko-KR" sz="1200" dirty="0" smtClean="0">
+                <a:ln>
+                  <a:solidFill>
+                    <a:schemeClr val="tx1">
+                      <a:lumMod val="50000"/>
+                      <a:lumOff val="50000"/>
+                      <a:alpha val="0"/>
+                    </a:schemeClr>
+                  </a:solidFill>
+                </a:ln>
+                <a:sym typeface="Wingdings" panose="05000000000000000000" pitchFamily="2" charset="2"/>
+              </a:rPr>
+              <a:t>CPU </a:t>
             </a:r>
             <a:r>
               <a:rPr lang="ko-KR" altLang="en-US" sz="1200" dirty="0" smtClean="0">
@@ -15455,10 +15456,10 @@
                 </a:ln>
                 <a:sym typeface="Wingdings" panose="05000000000000000000" pitchFamily="2" charset="2"/>
               </a:rPr>
-              <a:t>경우</a:t>
-            </a:r>
-            <a:r>
-              <a:rPr lang="en-US" altLang="ko-KR" sz="1200" dirty="0">
+              <a:t>부하 </a:t>
+            </a:r>
+            <a:r>
+              <a:rPr lang="en-US" altLang="ko-KR" sz="1200" dirty="0" smtClean="0">
                 <a:ln>
                   <a:solidFill>
                     <a:schemeClr val="tx1">
@@ -15470,7 +15471,22 @@
                 </a:ln>
                 <a:sym typeface="Wingdings" panose="05000000000000000000" pitchFamily="2" charset="2"/>
               </a:rPr>
-              <a:t> </a:t>
+              <a:t>100% </a:t>
+            </a:r>
+            <a:r>
+              <a:rPr lang="ko-KR" altLang="en-US" sz="1200" dirty="0" smtClean="0">
+                <a:ln>
+                  <a:solidFill>
+                    <a:schemeClr val="tx1">
+                      <a:lumMod val="50000"/>
+                      <a:lumOff val="50000"/>
+                      <a:alpha val="0"/>
+                    </a:schemeClr>
+                  </a:solidFill>
+                </a:ln>
+                <a:sym typeface="Wingdings" panose="05000000000000000000" pitchFamily="2" charset="2"/>
+              </a:rPr>
+              <a:t>상승 원인을 제거 </a:t>
             </a:r>
             <a:r>
               <a:rPr lang="en-US" altLang="ko-KR" sz="1200" dirty="0" smtClean="0">
@@ -15485,97 +15501,7 @@
                 </a:ln>
                 <a:sym typeface="Wingdings" panose="05000000000000000000" pitchFamily="2" charset="2"/>
               </a:rPr>
-              <a:t>CPU </a:t>
-            </a:r>
-            <a:r>
-              <a:rPr lang="ko-KR" altLang="en-US" sz="1200" dirty="0" smtClean="0">
-                <a:ln>
-                  <a:solidFill>
-                    <a:schemeClr val="tx1">
-                      <a:lumMod val="50000"/>
-                      <a:lumOff val="50000"/>
-                      <a:alpha val="0"/>
-                    </a:schemeClr>
-                  </a:solidFill>
-                </a:ln>
-                <a:sym typeface="Wingdings" panose="05000000000000000000" pitchFamily="2" charset="2"/>
-              </a:rPr>
-              <a:t>부하 </a:t>
-            </a:r>
-            <a:r>
-              <a:rPr lang="en-US" altLang="ko-KR" sz="1200" dirty="0" smtClean="0">
-                <a:ln>
-                  <a:solidFill>
-                    <a:schemeClr val="tx1">
-                      <a:lumMod val="50000"/>
-                      <a:lumOff val="50000"/>
-                      <a:alpha val="0"/>
-                    </a:schemeClr>
-                  </a:solidFill>
-                </a:ln>
-                <a:sym typeface="Wingdings" panose="05000000000000000000" pitchFamily="2" charset="2"/>
-              </a:rPr>
-              <a:t>100% </a:t>
-            </a:r>
-            <a:r>
-              <a:rPr lang="ko-KR" altLang="en-US" sz="1200" dirty="0" smtClean="0">
-                <a:ln>
-                  <a:solidFill>
-                    <a:schemeClr val="tx1">
-                      <a:lumMod val="50000"/>
-                      <a:lumOff val="50000"/>
-                      <a:alpha val="0"/>
-                    </a:schemeClr>
-                  </a:solidFill>
-                </a:ln>
-                <a:sym typeface="Wingdings" panose="05000000000000000000" pitchFamily="2" charset="2"/>
-              </a:rPr>
-              <a:t>상승 원인을 제거</a:t>
-            </a:r>
-            <a:r>
-              <a:rPr lang="ko-KR" altLang="en-US" sz="1200" dirty="0" smtClean="0">
-                <a:ln>
-                  <a:solidFill>
-                    <a:schemeClr val="tx1">
-                      <a:lumMod val="50000"/>
-                      <a:lumOff val="50000"/>
-                      <a:alpha val="0"/>
-                    </a:schemeClr>
-                  </a:solidFill>
-                </a:ln>
-                <a:sym typeface="Wingdings" panose="05000000000000000000" pitchFamily="2" charset="2"/>
-              </a:rPr>
-              <a:t> </a:t>
-            </a:r>
-            <a:r>
-              <a:rPr lang="en-US" altLang="ko-KR" sz="1200" dirty="0" smtClean="0">
-                <a:ln>
-                  <a:solidFill>
-                    <a:schemeClr val="tx1">
-                      <a:lumMod val="50000"/>
-                      <a:lumOff val="50000"/>
-                      <a:alpha val="0"/>
-                    </a:schemeClr>
-                  </a:solidFill>
-                </a:ln>
-                <a:sym typeface="Wingdings" panose="05000000000000000000" pitchFamily="2" charset="2"/>
-              </a:rPr>
-              <a:t>(</a:t>
-            </a:r>
-            <a:r>
-              <a:rPr lang="en-US" altLang="ko-KR" sz="1200" dirty="0" smtClean="0">
-                <a:ln>
-                  <a:solidFill>
-                    <a:schemeClr val="tx1">
-                      <a:lumMod val="50000"/>
-                      <a:lumOff val="50000"/>
-                      <a:alpha val="0"/>
-                    </a:schemeClr>
-                  </a:solidFill>
-                </a:ln>
-                <a:sym typeface="Wingdings" panose="05000000000000000000" pitchFamily="2" charset="2"/>
-              </a:rPr>
-              <a:t>delay </a:t>
+              <a:t>(delay </a:t>
             </a:r>
             <a:r>
               <a:rPr lang="ko-KR" altLang="en-US" sz="1200" dirty="0" smtClean="0">
@@ -17291,37 +17217,7 @@
                 </a:ln>
                 <a:sym typeface="Wingdings" panose="05000000000000000000" pitchFamily="2" charset="2"/>
               </a:rPr>
-              <a:t>함수에서 지연 </a:t>
-            </a:r>
-            <a:r>
-              <a:rPr lang="ko-KR" altLang="en-US" sz="1200" dirty="0" smtClean="0">
-                <a:ln>
-                  <a:solidFill>
-                    <a:schemeClr val="tx1">
-                      <a:lumMod val="50000"/>
-                      <a:lumOff val="50000"/>
-                      <a:alpha val="0"/>
-                    </a:schemeClr>
-                  </a:solidFill>
-                </a:ln>
-                <a:sym typeface="Wingdings" panose="05000000000000000000" pitchFamily="2" charset="2"/>
-              </a:rPr>
-              <a:t>동작 경우 비동기처리</a:t>
-            </a:r>
-            <a:r>
-              <a:rPr lang="ko-KR" altLang="en-US" sz="1200" dirty="0" smtClean="0">
-                <a:ln>
-                  <a:solidFill>
-                    <a:schemeClr val="tx1">
-                      <a:lumMod val="50000"/>
-                      <a:lumOff val="50000"/>
-                      <a:alpha val="0"/>
-                    </a:schemeClr>
-                  </a:solidFill>
-                </a:ln>
-                <a:sym typeface="Wingdings" panose="05000000000000000000" pitchFamily="2" charset="2"/>
-              </a:rPr>
-              <a:t>가 불가능하며</a:t>
+              <a:t>함수에서 지연 동작 경우 비동기처리가 불가능하며</a:t>
             </a:r>
             <a:r>
               <a:rPr lang="en-US" altLang="ko-KR" sz="1200" dirty="0" smtClean="0">
